--- a/Unity基础教程.pptx
+++ b/Unity基础教程.pptx
@@ -149,7 +149,7 @@
   </p:defaultTextStyle>
   <p:extLst>
     <p:ext uri="{EFAFB233-063F-42B5-8137-9DF3F51BA10A}">
-      <p15:sldGuideLst xmlns="" xmlns:p15="http://schemas.microsoft.com/office/powerpoint/2012/main">
+      <p15:sldGuideLst xmlns:p15="http://schemas.microsoft.com/office/powerpoint/2012/main" xmlns="">
         <p15:guide id="1" orient="horz" pos="2160">
           <p15:clr>
             <a:srgbClr val="A4A3A4"/>
@@ -248,7 +248,7 @@
           <a:p>
             <a:fld id="{7DC6157D-04AD-9441-B46B-F2A6D462B7ED}" type="datetimeFigureOut">
               <a:rPr kumimoji="1" lang="zh-CN" altLang="en-US" smtClean="0"/>
-              <a:t>2018/7/18</a:t>
+              <a:t>2018/7/20</a:t>
             </a:fld>
             <a:endParaRPr kumimoji="1" lang="zh-CN" altLang="en-US"/>
           </a:p>
@@ -10208,6 +10208,23 @@
             <a:endParaRPr lang="en-US" altLang="zh-CN" dirty="0" smtClean="0"/>
           </a:p>
           <a:p>
+            <a:pPr marL="0" marR="0" indent="0" algn="l" defTabSz="457200" rtl="0" eaLnBrk="1" fontAlgn="auto" latinLnBrk="0" hangingPunct="1">
+              <a:lnSpc>
+                <a:spcPct val="100000"/>
+              </a:lnSpc>
+              <a:spcBef>
+                <a:spcPts val="0"/>
+              </a:spcBef>
+              <a:spcAft>
+                <a:spcPts val="0"/>
+              </a:spcAft>
+              <a:buClrTx/>
+              <a:buSzTx/>
+              <a:buFontTx/>
+              <a:buNone/>
+              <a:tabLst/>
+              <a:defRPr/>
+            </a:pPr>
             <a:r>
               <a:rPr lang="en-US" altLang="zh-CN" dirty="0" smtClean="0"/>
               <a:t>2.</a:t>
@@ -10218,7 +10235,39 @@
             </a:r>
             <a:r>
               <a:rPr lang="en-US" altLang="zh-CN" dirty="0" smtClean="0"/>
-              <a:t>API?(metal</a:t>
+              <a:t>API</a:t>
+            </a:r>
+            <a:r>
+              <a:rPr lang="en-US" altLang="zh-CN" dirty="0" smtClean="0"/>
+              <a:t>?(</a:t>
+            </a:r>
+            <a:r>
+              <a:rPr lang="en-US" altLang="zh-CN" sz="1200" b="0" i="0" kern="1200" dirty="0" err="1" smtClean="0">
+                <a:solidFill>
+                  <a:schemeClr val="tx1"/>
+                </a:solidFill>
+                <a:effectLst/>
+                <a:latin typeface="+mn-lt"/>
+                <a:ea typeface="+mn-ea"/>
+                <a:cs typeface="+mn-cs"/>
+              </a:rPr>
+              <a:t>GNM</a:t>
+            </a:r>
+            <a:r>
+              <a:rPr lang="en-US" altLang="zh-CN" sz="1200" b="1" i="0" kern="1200" dirty="0" err="1" smtClean="0">
+                <a:solidFill>
+                  <a:schemeClr val="tx1"/>
+                </a:solidFill>
+                <a:effectLst/>
+                <a:latin typeface="+mn-lt"/>
+                <a:ea typeface="+mn-ea"/>
+                <a:cs typeface="+mn-cs"/>
+              </a:rPr>
+              <a:t>,</a:t>
+            </a:r>
+            <a:r>
+              <a:rPr lang="en-US" altLang="zh-CN" dirty="0" err="1" smtClean="0"/>
+              <a:t>metal</a:t>
             </a:r>
             <a:r>
               <a:rPr lang="en-US" altLang="zh-CN" sz="1200" b="0" i="0" kern="1200" dirty="0" smtClean="0">
@@ -15845,11 +15894,7 @@
             </a:r>
             <a:r>
               <a:rPr lang="zh-CN" altLang="en-US" dirty="0" smtClean="0"/>
-              <a:t>为什么</a:t>
-            </a:r>
-            <a:r>
-              <a:rPr lang="zh-CN" altLang="en-US" dirty="0" smtClean="0"/>
-              <a:t>要设计</a:t>
+              <a:t>为什么要设计</a:t>
             </a:r>
             <a:r>
               <a:rPr lang="en-US" altLang="zh-CN" dirty="0" err="1" smtClean="0"/>
@@ -16139,7 +16184,7 @@
           <a:p>
             <a:fld id="{1BA493DD-A0FA-EC41-84F7-7118A755729C}" type="datetimeFigureOut">
               <a:rPr kumimoji="1" lang="zh-CN" altLang="en-US" smtClean="0"/>
-              <a:t>2018/7/18</a:t>
+              <a:t>2018/7/20</a:t>
             </a:fld>
             <a:endParaRPr kumimoji="1" lang="zh-CN" altLang="en-US"/>
           </a:p>
@@ -16309,7 +16354,7 @@
           <a:p>
             <a:fld id="{1BA493DD-A0FA-EC41-84F7-7118A755729C}" type="datetimeFigureOut">
               <a:rPr kumimoji="1" lang="zh-CN" altLang="en-US" smtClean="0"/>
-              <a:t>2018/7/18</a:t>
+              <a:t>2018/7/20</a:t>
             </a:fld>
             <a:endParaRPr kumimoji="1" lang="zh-CN" altLang="en-US"/>
           </a:p>
@@ -16489,7 +16534,7 @@
           <a:p>
             <a:fld id="{1BA493DD-A0FA-EC41-84F7-7118A755729C}" type="datetimeFigureOut">
               <a:rPr kumimoji="1" lang="zh-CN" altLang="en-US" smtClean="0"/>
-              <a:t>2018/7/18</a:t>
+              <a:t>2018/7/20</a:t>
             </a:fld>
             <a:endParaRPr kumimoji="1" lang="zh-CN" altLang="en-US"/>
           </a:p>
@@ -16842,7 +16887,7 @@
           <a:p>
             <a:fld id="{1BA493DD-A0FA-EC41-84F7-7118A755729C}" type="datetimeFigureOut">
               <a:rPr kumimoji="1" lang="zh-CN" altLang="en-US" smtClean="0"/>
-              <a:t>2018/7/18</a:t>
+              <a:t>2018/7/20</a:t>
             </a:fld>
             <a:endParaRPr kumimoji="1" lang="zh-CN" altLang="en-US"/>
           </a:p>
@@ -17117,7 +17162,7 @@
           <a:p>
             <a:fld id="{1BA493DD-A0FA-EC41-84F7-7118A755729C}" type="datetimeFigureOut">
               <a:rPr kumimoji="1" lang="zh-CN" altLang="en-US" smtClean="0"/>
-              <a:t>2018/7/18</a:t>
+              <a:t>2018/7/20</a:t>
             </a:fld>
             <a:endParaRPr kumimoji="1" lang="zh-CN" altLang="en-US"/>
           </a:p>
@@ -17405,7 +17450,7 @@
           <a:p>
             <a:fld id="{1BA493DD-A0FA-EC41-84F7-7118A755729C}" type="datetimeFigureOut">
               <a:rPr kumimoji="1" lang="zh-CN" altLang="en-US" smtClean="0"/>
-              <a:t>2018/7/18</a:t>
+              <a:t>2018/7/20</a:t>
             </a:fld>
             <a:endParaRPr kumimoji="1" lang="zh-CN" altLang="en-US"/>
           </a:p>
@@ -17827,7 +17872,7 @@
           <a:p>
             <a:fld id="{1BA493DD-A0FA-EC41-84F7-7118A755729C}" type="datetimeFigureOut">
               <a:rPr kumimoji="1" lang="zh-CN" altLang="en-US" smtClean="0"/>
-              <a:t>2018/7/18</a:t>
+              <a:t>2018/7/20</a:t>
             </a:fld>
             <a:endParaRPr kumimoji="1" lang="zh-CN" altLang="en-US"/>
           </a:p>
@@ -17945,7 +17990,7 @@
           <a:p>
             <a:fld id="{1BA493DD-A0FA-EC41-84F7-7118A755729C}" type="datetimeFigureOut">
               <a:rPr kumimoji="1" lang="zh-CN" altLang="en-US" smtClean="0"/>
-              <a:t>2018/7/18</a:t>
+              <a:t>2018/7/20</a:t>
             </a:fld>
             <a:endParaRPr kumimoji="1" lang="zh-CN" altLang="en-US"/>
           </a:p>
@@ -18040,7 +18085,7 @@
           <a:p>
             <a:fld id="{1BA493DD-A0FA-EC41-84F7-7118A755729C}" type="datetimeFigureOut">
               <a:rPr kumimoji="1" lang="zh-CN" altLang="en-US" smtClean="0"/>
-              <a:t>2018/7/18</a:t>
+              <a:t>2018/7/20</a:t>
             </a:fld>
             <a:endParaRPr kumimoji="1" lang="zh-CN" altLang="en-US"/>
           </a:p>
@@ -18317,7 +18362,7 @@
           <a:p>
             <a:fld id="{1BA493DD-A0FA-EC41-84F7-7118A755729C}" type="datetimeFigureOut">
               <a:rPr kumimoji="1" lang="zh-CN" altLang="en-US" smtClean="0"/>
-              <a:t>2018/7/18</a:t>
+              <a:t>2018/7/20</a:t>
             </a:fld>
             <a:endParaRPr kumimoji="1" lang="zh-CN" altLang="en-US"/>
           </a:p>
@@ -18570,7 +18615,7 @@
           <a:p>
             <a:fld id="{1BA493DD-A0FA-EC41-84F7-7118A755729C}" type="datetimeFigureOut">
               <a:rPr kumimoji="1" lang="zh-CN" altLang="en-US" smtClean="0"/>
-              <a:t>2018/7/18</a:t>
+              <a:t>2018/7/20</a:t>
             </a:fld>
             <a:endParaRPr kumimoji="1" lang="zh-CN" altLang="en-US"/>
           </a:p>
@@ -18783,7 +18828,7 @@
           <a:p>
             <a:fld id="{1BA493DD-A0FA-EC41-84F7-7118A755729C}" type="datetimeFigureOut">
               <a:rPr kumimoji="1" lang="zh-CN" altLang="en-US" smtClean="0"/>
-              <a:t>2018/7/18</a:t>
+              <a:t>2018/7/20</a:t>
             </a:fld>
             <a:endParaRPr kumimoji="1" lang="zh-CN" altLang="en-US"/>
           </a:p>
@@ -23768,11 +23813,19 @@
             </a:pPr>
             <a:r>
               <a:rPr lang="zh-CN" altLang="en-US" dirty="0" smtClean="0"/>
-              <a:t>各种炫酷的图像是如何</a:t>
+              <a:t>视频中图像</a:t>
+            </a:r>
+            <a:r>
+              <a:rPr lang="zh-CN" altLang="en-US" dirty="0" smtClean="0"/>
+              <a:t>是</a:t>
+            </a:r>
+            <a:r>
+              <a:rPr lang="zh-CN" altLang="en-US" dirty="0" smtClean="0"/>
+              <a:t>如何</a:t>
             </a:r>
             <a:r>
               <a:rPr lang="zh-CN" altLang="en-US" b="1" dirty="0" smtClean="0"/>
-              <a:t>实时渲染</a:t>
+              <a:t>渲染</a:t>
             </a:r>
             <a:r>
               <a:rPr lang="zh-CN" altLang="en-US" dirty="0" smtClean="0"/>
@@ -23787,11 +23840,27 @@
             </a:pPr>
             <a:r>
               <a:rPr lang="zh-CN" altLang="en-US" dirty="0" smtClean="0"/>
-              <a:t>如何控制场景中的单位</a:t>
-            </a:r>
-            <a:r>
-              <a:rPr lang="zh-CN" altLang="en-US" b="1" dirty="0" smtClean="0"/>
-              <a:t>动起来</a:t>
+              <a:t>如何</a:t>
+            </a:r>
+            <a:r>
+              <a:rPr lang="zh-CN" altLang="en-US" dirty="0" smtClean="0"/>
+              <a:t>控制</a:t>
+            </a:r>
+            <a:r>
+              <a:rPr lang="zh-CN" altLang="en-US" dirty="0" smtClean="0"/>
+              <a:t>视频中</a:t>
+            </a:r>
+            <a:r>
+              <a:rPr lang="zh-CN" altLang="en-US" dirty="0" smtClean="0"/>
+              <a:t>中的</a:t>
+            </a:r>
+            <a:r>
+              <a:rPr lang="zh-CN" altLang="en-US" dirty="0" smtClean="0"/>
+              <a:t>物体</a:t>
+            </a:r>
+            <a:r>
+              <a:rPr lang="zh-CN" altLang="en-US" b="1" dirty="0"/>
+              <a:t>运动</a:t>
             </a:r>
             <a:r>
               <a:rPr lang="zh-CN" altLang="en-US" dirty="0" smtClean="0"/>
@@ -23806,7 +23875,11 @@
             </a:pPr>
             <a:r>
               <a:rPr lang="zh-CN" altLang="en-US" dirty="0" smtClean="0"/>
-              <a:t>如何知道子弹是否</a:t>
+              <a:t>如何判断子弹</a:t>
+            </a:r>
+            <a:r>
+              <a:rPr lang="zh-CN" altLang="en-US" dirty="0" smtClean="0"/>
+              <a:t>是否</a:t>
             </a:r>
             <a:r>
               <a:rPr lang="zh-CN" altLang="en-US" b="1" dirty="0" smtClean="0"/>
@@ -27249,20 +27322,7 @@
                 <a:ea typeface="黑体" panose="02010609060101010101" pitchFamily="49" charset="-122"/>
                 <a:cs typeface="Adobe 黑体 Std R"/>
               </a:rPr>
-              <a:t>概览部分 </a:t>
-            </a:r>
-            <a:r>
-              <a:rPr lang="zh-CN" altLang="en-US" sz="2000" dirty="0" smtClean="0">
-                <a:solidFill>
-                  <a:schemeClr val="bg1">
-                    <a:lumMod val="50000"/>
-                  </a:schemeClr>
-                </a:solidFill>
-                <a:latin typeface="黑体" panose="02010609060101010101" pitchFamily="49" charset="-122"/>
-                <a:ea typeface="黑体" panose="02010609060101010101" pitchFamily="49" charset="-122"/>
-                <a:cs typeface="Adobe 黑体 Std R"/>
-              </a:rPr>
-              <a:t>总结</a:t>
+              <a:t>概览部分 总结</a:t>
             </a:r>
             <a:endParaRPr lang="zh-CN" altLang="en-US" sz="2000" dirty="0">
               <a:solidFill>
@@ -27719,15 +27779,7 @@
             </a:r>
             <a:r>
               <a:rPr lang="zh-CN" altLang="en-US" dirty="0" smtClean="0"/>
-              <a:t>引用类型的基</a:t>
-            </a:r>
-            <a:r>
-              <a:rPr lang="zh-CN" altLang="en-US" dirty="0" smtClean="0"/>
-              <a:t>类</a:t>
-            </a:r>
-            <a:r>
-              <a:rPr lang="zh-CN" altLang="en-US" dirty="0" smtClean="0"/>
-              <a:t>提供了三类接口：</a:t>
+              <a:t>引用类型的基类提供了三类接口：</a:t>
             </a:r>
             <a:endParaRPr lang="en-US" altLang="zh-CN" dirty="0" smtClean="0"/>
           </a:p>
@@ -30731,11 +30783,7 @@
             </a:r>
             <a:r>
               <a:rPr lang="zh-CN" altLang="en-US" dirty="0" smtClean="0"/>
-              <a:t>文件</a:t>
-            </a:r>
-            <a:r>
-              <a:rPr lang="zh-CN" altLang="en-US" dirty="0" smtClean="0"/>
-              <a:t>是文本文件</a:t>
+              <a:t>文件是文本文件</a:t>
             </a:r>
             <a:r>
               <a:rPr lang="zh-CN" altLang="en-US" dirty="0"/>
@@ -30906,11 +30954,7 @@
             </a:r>
             <a:r>
               <a:rPr lang="zh-CN" altLang="en-US" dirty="0" smtClean="0"/>
-              <a:t>中</a:t>
-            </a:r>
-            <a:r>
-              <a:rPr lang="zh-CN" altLang="en-US" dirty="0" smtClean="0"/>
-              <a:t>的资源文件</a:t>
+              <a:t>中的资源文件</a:t>
             </a:r>
             <a:endParaRPr lang="en-US" altLang="zh-CN" dirty="0"/>
           </a:p>
@@ -31021,15 +31065,7 @@
             </a:r>
             <a:r>
               <a:rPr lang="zh-CN" altLang="en-US" sz="2800" dirty="0" smtClean="0"/>
-              <a:t>单独拿出来，做成配置，在需要的</a:t>
-            </a:r>
-            <a:r>
-              <a:rPr lang="zh-CN" altLang="en-US" sz="2800" dirty="0" smtClean="0"/>
-              <a:t>时候加载</a:t>
-            </a:r>
-            <a:r>
-              <a:rPr lang="zh-CN" altLang="en-US" sz="2800" dirty="0" smtClean="0"/>
-              <a:t>。</a:t>
+              <a:t>单独拿出来，做成配置，在需要的时候加载。</a:t>
             </a:r>
             <a:endParaRPr lang="en-US" altLang="zh-CN" sz="2800" dirty="0" smtClean="0"/>
           </a:p>
@@ -31049,15 +31085,7 @@
             </a:r>
             <a:r>
               <a:rPr lang="zh-CN" altLang="en-US" sz="2800" b="1" dirty="0" smtClean="0"/>
-              <a:t>即保留了使用编辑器编辑的便捷性，又</a:t>
-            </a:r>
-            <a:r>
-              <a:rPr lang="zh-CN" altLang="en-US" sz="2800" b="1" dirty="0" smtClean="0"/>
-              <a:t>有动态</a:t>
-            </a:r>
-            <a:r>
-              <a:rPr lang="zh-CN" altLang="en-US" sz="2800" b="1" dirty="0" smtClean="0"/>
-              <a:t>加载的灵活性。</a:t>
+              <a:t>即保留了使用编辑器编辑的便捷性，又有动态加载的灵活性。</a:t>
             </a:r>
             <a:endParaRPr lang="en-US" altLang="zh-CN" sz="2800" b="1" dirty="0" smtClean="0"/>
           </a:p>
@@ -31497,26 +31525,6 @@
               <a:rPr lang="zh-CN" altLang="en-US" b="1" dirty="0" smtClean="0"/>
               <a:t>数据</a:t>
             </a:r>
-            <a:r>
-              <a:rPr lang="en-US" altLang="zh-CN" dirty="0"/>
-              <a:t>(</a:t>
-            </a:r>
-            <a:r>
-              <a:rPr lang="zh-CN" altLang="en-US" b="1" dirty="0" smtClean="0"/>
-              <a:t>代码</a:t>
-            </a:r>
-            <a:r>
-              <a:rPr lang="zh-CN" altLang="en-US" dirty="0" smtClean="0"/>
-              <a:t>，</a:t>
-            </a:r>
-            <a:r>
-              <a:rPr lang="zh-CN" altLang="en-US" b="1" dirty="0" smtClean="0"/>
-              <a:t>配置信息</a:t>
-            </a:r>
-            <a:r>
-              <a:rPr lang="en-US" altLang="zh-CN" dirty="0"/>
-              <a:t>)</a:t>
-            </a:r>
             <a:endParaRPr lang="en-US" altLang="zh-CN" dirty="0" smtClean="0"/>
           </a:p>
           <a:p>
@@ -31616,27 +31624,27 @@
       </p:pic>
       <p:graphicFrame>
         <p:nvGraphicFramePr>
-          <p:cNvPr id="9" name="对象 8"/>
+          <p:cNvPr id="3" name="对象 2"/>
           <p:cNvGraphicFramePr>
             <a:graphicFrameLocks noChangeAspect="1"/>
           </p:cNvGraphicFramePr>
           <p:nvPr>
             <p:extLst>
               <p:ext uri="{D42A27DB-BD31-4B8C-83A1-F6EECF244321}">
-                <p14:modId xmlns:p14="http://schemas.microsoft.com/office/powerpoint/2010/main" val="423348677"/>
+                <p14:modId xmlns:p14="http://schemas.microsoft.com/office/powerpoint/2010/main" val="2103269656"/>
               </p:ext>
             </p:extLst>
           </p:nvPr>
         </p:nvGraphicFramePr>
         <p:xfrm>
-          <a:off x="6783388" y="4183063"/>
+          <a:off x="6231890" y="4188460"/>
           <a:ext cx="723900" cy="711200"/>
         </p:xfrm>
         <a:graphic>
           <a:graphicData uri="http://schemas.openxmlformats.org/presentationml/2006/ole">
             <mc:AlternateContent xmlns:mc="http://schemas.openxmlformats.org/markup-compatibility/2006">
               <mc:Choice xmlns:v="urn:schemas-microsoft-com:vml" Requires="v">
-                <p:oleObj spid="_x0000_s1617" name="包装程序外壳对象" showAsIcon="1" r:id="rId5" imgW="723600" imgH="711360" progId="Package">
+                <p:oleObj spid="_x0000_s1632" name="包装程序外壳对象" showAsIcon="1" r:id="rId5" imgW="723600" imgH="711360" progId="Package">
                   <p:embed/>
                 </p:oleObj>
               </mc:Choice>
@@ -31657,7 +31665,7 @@
                     </p:blipFill>
                     <p:spPr>
                       <a:xfrm>
-                        <a:off x="6783388" y="4183063"/>
+                        <a:off x="6231890" y="4188460"/>
                         <a:ext cx="723900" cy="711200"/>
                       </a:xfrm>
                       <a:prstGeom prst="rect">
@@ -31899,11 +31907,7 @@
             </a:r>
             <a:r>
               <a:rPr lang="zh-CN" altLang="en-US" dirty="0" smtClean="0"/>
-              <a:t>文件</a:t>
-            </a:r>
-            <a:r>
-              <a:rPr lang="zh-CN" altLang="en-US" dirty="0" smtClean="0"/>
-              <a:t>是场景配置问题</a:t>
+              <a:t>文件是场景配置问题</a:t>
             </a:r>
             <a:endParaRPr lang="en-US" altLang="zh-CN" dirty="0" smtClean="0"/>
           </a:p>
@@ -31913,11 +31917,7 @@
             </a:pPr>
             <a:r>
               <a:rPr lang="zh-CN" altLang="en-US" dirty="0" smtClean="0"/>
-              <a:t>记录</a:t>
-            </a:r>
-            <a:r>
-              <a:rPr lang="zh-CN" altLang="en-US" dirty="0" smtClean="0"/>
-              <a:t>了这个</a:t>
+              <a:t>记录了这个</a:t>
             </a:r>
             <a:r>
               <a:rPr lang="zh-CN" altLang="en-US" b="1" dirty="0" smtClean="0"/>
@@ -31925,15 +31925,7 @@
             </a:r>
             <a:r>
               <a:rPr lang="zh-CN" altLang="en-US" dirty="0" smtClean="0"/>
-              <a:t>和我们在编辑器</a:t>
-            </a:r>
-            <a:r>
-              <a:rPr lang="zh-CN" altLang="en-US" dirty="0" smtClean="0"/>
-              <a:t>中编辑</a:t>
-            </a:r>
-            <a:r>
-              <a:rPr lang="zh-CN" altLang="en-US" dirty="0" smtClean="0"/>
-              <a:t>的所以</a:t>
+              <a:t>和我们在编辑器中编辑的所以</a:t>
             </a:r>
             <a:r>
               <a:rPr lang="en-US" altLang="zh-CN" b="1" dirty="0" err="1" smtClean="0"/>
@@ -31953,11 +31945,7 @@
             </a:r>
             <a:r>
               <a:rPr lang="zh-CN" altLang="en-US" dirty="0" smtClean="0"/>
-              <a:t>通过这个文件加载场景</a:t>
-            </a:r>
-            <a:r>
-              <a:rPr lang="zh-CN" altLang="en-US" dirty="0" smtClean="0"/>
-              <a:t>。</a:t>
+              <a:t>通过这个文件加载场景。</a:t>
             </a:r>
             <a:endParaRPr lang="en-US" altLang="zh-CN" dirty="0" smtClean="0"/>
           </a:p>
@@ -31991,11 +31979,7 @@
             </a:r>
             <a:r>
               <a:rPr lang="zh-CN" altLang="en-US" dirty="0" smtClean="0"/>
-              <a:t>非常方便</a:t>
-            </a:r>
-            <a:r>
-              <a:rPr lang="zh-CN" altLang="en-US" dirty="0" smtClean="0"/>
-              <a:t>。</a:t>
+              <a:t>非常方便。</a:t>
             </a:r>
             <a:endParaRPr lang="en-US" altLang="zh-CN" dirty="0" smtClean="0"/>
           </a:p>
@@ -33217,9 +33201,16 @@
           </a:bodyPr>
           <a:lstStyle/>
           <a:p>
-            <a:r>
-              <a:rPr lang="zh-CN" altLang="en-US" dirty="0" smtClean="0"/>
-              <a:t>渲染是一</a:t>
+            <a:endParaRPr lang="en-US" altLang="zh-CN" dirty="0" smtClean="0"/>
+          </a:p>
+          <a:p>
+            <a:r>
+              <a:rPr lang="zh-CN" altLang="en-US" dirty="0" smtClean="0"/>
+              <a:t>渲染</a:t>
+            </a:r>
+            <a:r>
+              <a:rPr lang="zh-CN" altLang="en-US" dirty="0" smtClean="0"/>
+              <a:t>是一</a:t>
             </a:r>
             <a:r>
               <a:rPr lang="zh-CN" altLang="en-US" dirty="0"/>
@@ -33288,16 +33279,9 @@
             <a:endParaRPr lang="en-US" altLang="zh-CN" dirty="0" smtClean="0"/>
           </a:p>
           <a:p>
-            <a:endParaRPr lang="en-US" altLang="zh-CN" dirty="0"/>
-          </a:p>
-          <a:p>
-            <a:r>
-              <a:rPr lang="zh-CN" altLang="en-US" dirty="0" smtClean="0"/>
-              <a:t>一般的游戏引擎会根据相机的方位，预剔除一些物体。</a:t>
-            </a:r>
-            <a:endParaRPr lang="en-US" altLang="zh-CN" dirty="0" smtClean="0"/>
-          </a:p>
-          <a:p>
+            <a:pPr marL="0" indent="0">
+              <a:buNone/>
+            </a:pPr>
             <a:endParaRPr lang="en-US" altLang="zh-CN" dirty="0"/>
           </a:p>
           <a:p>
